--- a/Group A.pptx
+++ b/Group A.pptx
@@ -4555,31 +4555,6 @@
       </p:grpSpPr>
       <p:sp>
         <p:nvSpPr>
-          <p:cNvPr id="2" name="Title 1">
-            <a:extLst>
-              <a:ext uri="{FF2B5EF4-FFF2-40B4-BE49-F238E27FC236}">
-                <a16:creationId xmlns:a16="http://schemas.microsoft.com/office/drawing/2014/main" id="{C54DABA7-6DFA-4D0D-93FD-676ABD8F6680}"/>
-              </a:ext>
-            </a:extLst>
-          </p:cNvPr>
-          <p:cNvSpPr>
-            <a:spLocks noGrp="1"/>
-          </p:cNvSpPr>
-          <p:nvPr>
-            <p:ph type="title"/>
-          </p:nvPr>
-        </p:nvSpPr>
-        <p:spPr/>
-        <p:txBody>
-          <a:bodyPr/>
-          <a:lstStyle/>
-          <a:p>
-            <a:endParaRPr lang="en-US"/>
-          </a:p>
-        </p:txBody>
-      </p:sp>
-      <p:sp>
-        <p:nvSpPr>
           <p:cNvPr id="3" name="Content Placeholder 2">
             <a:extLst>
               <a:ext uri="{FF2B5EF4-FFF2-40B4-BE49-F238E27FC236}">
@@ -4638,10 +4613,10 @@
           </a:p>
           <a:p>
             <a:r>
-              <a:rPr lang="zh-TW" altLang="en-US"/>
+              <a:rPr lang="zh-TW" altLang="en-US" dirty="0"/>
               <a:t>影響公司聲譽</a:t>
             </a:r>
-            <a:endParaRPr lang="en-US" altLang="zh-TW"/>
+            <a:endParaRPr lang="en-US" altLang="zh-TW" dirty="0"/>
           </a:p>
         </p:txBody>
       </p:sp>
